--- a/hands-on-java/src/main/resources/Kafka.pptx
+++ b/hands-on-java/src/main/resources/Kafka.pptx
@@ -19213,29 +19213,6 @@
             </a:pPr>
             <a:r>
               <a:rPr lang="fr-FR" sz="2200"/>
-              <a:t>Best approach in most cases</a:t>
-            </a:r>
-          </a:p>
-          <a:p>
-            <a:pPr indent="-228600" lvl="0" marL="228600" marR="0" rtl="0" algn="l">
-              <a:lnSpc>
-                <a:spcPct val="90000"/>
-              </a:lnSpc>
-              <a:spcBef>
-                <a:spcPts val="0"/>
-              </a:spcBef>
-              <a:spcAft>
-                <a:spcPts val="0"/>
-              </a:spcAft>
-              <a:buClr>
-                <a:schemeClr val="dk1"/>
-              </a:buClr>
-              <a:buSzPct val="100000"/>
-              <a:buFont typeface="Arial"/>
-              <a:buChar char="•"/>
-            </a:pPr>
-            <a:r>
-              <a:rPr lang="fr-FR" sz="2200"/>
               <a:t>Useful for stuff not available in the DSL API</a:t>
             </a:r>
           </a:p>
@@ -20134,7 +20111,7 @@
             </a:pPr>
             <a:r>
               <a:rPr lang="fr-FR"/>
-              <a:t>Let’s dive into KStreams and KTables</a:t>
+              <a:t>And then, let’s dive into KStreams and KTables</a:t>
             </a:r>
             <a:br>
               <a:rPr lang="fr-FR"/>
